--- a/Article/Note/카카오_커리어_부스트_프로그램/img/img.pptx
+++ b/Article/Note/카카오_커리어_부스트_프로그램/img/img.pptx
@@ -5,7 +5,8 @@
     <p:sldMasterId id="2147483648" r:id="rId1"/>
   </p:sldMasterIdLst>
   <p:sldIdLst>
-    <p:sldId id="256" r:id="rId2"/>
+    <p:sldId id="257" r:id="rId2"/>
+    <p:sldId id="256" r:id="rId3"/>
   </p:sldIdLst>
   <p:sldSz cx="12192000" cy="6858000"/>
   <p:notesSz cx="6858000" cy="9144000"/>
@@ -3321,6 +3322,103 @@
 </file>
 
 <file path=ppt/slides/slide1.xml><?xml version="1.0" encoding="utf-8"?>
+<p:sld xmlns:a="http://schemas.openxmlformats.org/drawingml/2006/main" xmlns:r="http://schemas.openxmlformats.org/officeDocument/2006/relationships" xmlns:p="http://schemas.openxmlformats.org/presentationml/2006/main">
+  <p:cSld>
+    <p:bg>
+      <p:bgPr>
+        <a:solidFill>
+          <a:srgbClr val="172C83"/>
+        </a:solidFill>
+        <a:effectLst/>
+      </p:bgPr>
+    </p:bg>
+    <p:spTree>
+      <p:nvGrpSpPr>
+        <p:cNvPr id="1" name=""/>
+        <p:cNvGrpSpPr/>
+        <p:nvPr/>
+      </p:nvGrpSpPr>
+      <p:grpSpPr>
+        <a:xfrm>
+          <a:off x="0" y="0"/>
+          <a:ext cx="0" cy="0"/>
+          <a:chOff x="0" y="0"/>
+          <a:chExt cx="0" cy="0"/>
+        </a:xfrm>
+      </p:grpSpPr>
+      <p:pic>
+        <p:nvPicPr>
+          <p:cNvPr id="5" name="그림 4">
+            <a:extLst>
+              <a:ext uri="{FF2B5EF4-FFF2-40B4-BE49-F238E27FC236}">
+                <a16:creationId xmlns:a16="http://schemas.microsoft.com/office/drawing/2014/main" id="{7183A782-9E51-5B41-B873-D2D02C753F1D}"/>
+              </a:ext>
+            </a:extLst>
+          </p:cNvPr>
+          <p:cNvPicPr>
+            <a:picLocks noChangeAspect="1"/>
+          </p:cNvPicPr>
+          <p:nvPr/>
+        </p:nvPicPr>
+        <p:blipFill>
+          <a:blip r:embed="rId2"/>
+          <a:stretch>
+            <a:fillRect/>
+          </a:stretch>
+        </p:blipFill>
+        <p:spPr>
+          <a:xfrm>
+            <a:off x="4738828" y="1888038"/>
+            <a:ext cx="2714344" cy="2856456"/>
+          </a:xfrm>
+          <a:prstGeom prst="rect">
+            <a:avLst/>
+          </a:prstGeom>
+        </p:spPr>
+      </p:pic>
+      <p:pic>
+        <p:nvPicPr>
+          <p:cNvPr id="7" name="그림 6" descr="텍스트이(가) 표시된 사진&#10;&#10;자동 생성된 설명">
+            <a:extLst>
+              <a:ext uri="{FF2B5EF4-FFF2-40B4-BE49-F238E27FC236}">
+                <a16:creationId xmlns:a16="http://schemas.microsoft.com/office/drawing/2014/main" id="{C1DF575C-FF04-9447-AA5F-4BA2E32EC738}"/>
+              </a:ext>
+            </a:extLst>
+          </p:cNvPr>
+          <p:cNvPicPr>
+            <a:picLocks noChangeAspect="1"/>
+          </p:cNvPicPr>
+          <p:nvPr/>
+        </p:nvPicPr>
+        <p:blipFill rotWithShape="1">
+          <a:blip r:embed="rId3"/>
+          <a:srcRect t="50188"/>
+          <a:stretch/>
+        </p:blipFill>
+        <p:spPr>
+          <a:xfrm>
+            <a:off x="4019267" y="4738404"/>
+            <a:ext cx="4258153" cy="469575"/>
+          </a:xfrm>
+          <a:prstGeom prst="rect">
+            <a:avLst/>
+          </a:prstGeom>
+        </p:spPr>
+      </p:pic>
+    </p:spTree>
+    <p:extLst>
+      <p:ext uri="{BB962C8B-B14F-4D97-AF65-F5344CB8AC3E}">
+        <p14:creationId xmlns:p14="http://schemas.microsoft.com/office/powerpoint/2010/main" val="122422569"/>
+      </p:ext>
+    </p:extLst>
+  </p:cSld>
+  <p:clrMapOvr>
+    <a:masterClrMapping/>
+  </p:clrMapOvr>
+</p:sld>
+</file>
+
+<file path=ppt/slides/slide2.xml><?xml version="1.0" encoding="utf-8"?>
 <p:sld xmlns:a="http://schemas.openxmlformats.org/drawingml/2006/main" xmlns:r="http://schemas.openxmlformats.org/officeDocument/2006/relationships" xmlns:p="http://schemas.openxmlformats.org/presentationml/2006/main">
   <p:cSld>
     <p:spTree>
